--- a/teaching/spring2025-intro-to-complexity/a1-logistics-turing-machines-strings.pptx
+++ b/teaching/spring2025-intro-to-complexity/a1-logistics-turing-machines-strings.pptx
@@ -241,7 +241,7 @@
           <a:p>
             <a:fld id="{F3AC89D9-4143-4CE6-8C54-F02D74289DBF}" type="datetimeFigureOut">
               <a:rPr lang="en-US" smtClean="0"/>
-              <a:t>3/17/2025</a:t>
+              <a:t>3/26/2025</a:t>
             </a:fld>
             <a:endParaRPr lang="en-US"/>
           </a:p>
@@ -739,7 +739,7 @@
           <a:p>
             <a:fld id="{5CB2DF79-D6C2-44B3-8742-A22E7E2B2DFC}" type="datetime1">
               <a:rPr lang="en-US" smtClean="0"/>
-              <a:t>3/17/2025</a:t>
+              <a:t>3/26/2025</a:t>
             </a:fld>
             <a:endParaRPr lang="en-US"/>
           </a:p>
@@ -951,7 +951,7 @@
           <a:p>
             <a:fld id="{36FF0D43-1401-4BC0-A39D-A766495ECF36}" type="datetime1">
               <a:rPr lang="en-US" smtClean="0"/>
-              <a:t>3/17/2025</a:t>
+              <a:t>3/26/2025</a:t>
             </a:fld>
             <a:endParaRPr lang="en-US"/>
           </a:p>
@@ -1159,7 +1159,7 @@
           <a:p>
             <a:fld id="{ABA214FD-A691-403F-8A1F-9E3EDE8FE8F0}" type="datetime1">
               <a:rPr lang="en-US" smtClean="0"/>
-              <a:t>3/17/2025</a:t>
+              <a:t>3/26/2025</a:t>
             </a:fld>
             <a:endParaRPr lang="en-US"/>
           </a:p>
@@ -1388,7 +1388,7 @@
           <a:p>
             <a:fld id="{5966C3CF-17B5-4FE7-A6C3-1E55F63BBB29}" type="datetime1">
               <a:rPr lang="en-US" smtClean="0"/>
-              <a:t>3/17/2025</a:t>
+              <a:t>3/26/2025</a:t>
             </a:fld>
             <a:endParaRPr lang="en-US"/>
           </a:p>
@@ -2113,7 +2113,7 @@
           <a:p>
             <a:fld id="{D1481A7A-1332-4B30-AF4F-8BCB3CC4E7B6}" type="datetime1">
               <a:rPr lang="en-US" smtClean="0"/>
-              <a:t>3/17/2025</a:t>
+              <a:t>3/26/2025</a:t>
             </a:fld>
             <a:endParaRPr lang="en-US"/>
           </a:p>
@@ -2378,7 +2378,7 @@
           <a:p>
             <a:fld id="{3406C27B-0845-452C-9314-A19F69723BBD}" type="datetime1">
               <a:rPr lang="en-US" smtClean="0"/>
-              <a:t>3/17/2025</a:t>
+              <a:t>3/26/2025</a:t>
             </a:fld>
             <a:endParaRPr lang="en-US"/>
           </a:p>
@@ -2790,7 +2790,7 @@
           <a:p>
             <a:fld id="{D5CBF1A3-5A5F-4792-B78C-6135637B9452}" type="datetime1">
               <a:rPr lang="en-US" smtClean="0"/>
-              <a:t>3/17/2025</a:t>
+              <a:t>3/26/2025</a:t>
             </a:fld>
             <a:endParaRPr lang="en-US"/>
           </a:p>
@@ -2931,7 +2931,7 @@
           <a:p>
             <a:fld id="{91DD9451-D3D4-4E42-BABA-51ED05BC4A7B}" type="datetime1">
               <a:rPr lang="en-US" smtClean="0"/>
-              <a:t>3/17/2025</a:t>
+              <a:t>3/26/2025</a:t>
             </a:fld>
             <a:endParaRPr lang="en-US"/>
           </a:p>
@@ -3058,7 +3058,7 @@
           <a:p>
             <a:fld id="{8B92536A-191E-4FD3-9217-AC0125948861}" type="datetime1">
               <a:rPr lang="en-US" smtClean="0"/>
-              <a:t>3/17/2025</a:t>
+              <a:t>3/26/2025</a:t>
             </a:fld>
             <a:endParaRPr lang="en-US"/>
           </a:p>
@@ -3383,7 +3383,7 @@
           <a:p>
             <a:fld id="{EBAC3400-7673-4D56-AFCD-41352542AA5B}" type="datetime1">
               <a:rPr lang="en-US" smtClean="0"/>
-              <a:t>3/17/2025</a:t>
+              <a:t>3/26/2025</a:t>
             </a:fld>
             <a:endParaRPr lang="en-US"/>
           </a:p>
@@ -3671,7 +3671,7 @@
           <a:p>
             <a:fld id="{0B76DF79-0AD1-4A96-B09E-944AF8ACECDD}" type="datetime1">
               <a:rPr lang="en-US" smtClean="0"/>
-              <a:t>3/17/2025</a:t>
+              <a:t>3/26/2025</a:t>
             </a:fld>
             <a:endParaRPr lang="en-US"/>
           </a:p>
@@ -3912,7 +3912,7 @@
           <a:p>
             <a:fld id="{D260B097-4004-4718-A94A-9D119BA8F2F4}" type="datetime1">
               <a:rPr lang="en-US" smtClean="0"/>
-              <a:t>3/17/2025</a:t>
+              <a:t>3/26/2025</a:t>
             </a:fld>
             <a:endParaRPr lang="en-US"/>
           </a:p>
@@ -4530,8 +4530,8 @@
           </a:p>
         </p:txBody>
       </p:sp>
-      <mc:AlternateContent xmlns:mc="http://schemas.openxmlformats.org/markup-compatibility/2006">
-        <mc:Choice xmlns:a14="http://schemas.microsoft.com/office/drawing/2010/main" Requires="a14">
+      <mc:AlternateContent xmlns:mc="http://schemas.openxmlformats.org/markup-compatibility/2006" xmlns:a14="http://schemas.microsoft.com/office/drawing/2010/main">
+        <mc:Choice Requires="a14">
           <p:sp>
             <p:nvSpPr>
               <p:cNvPr id="3" name="Content Placeholder 2">
@@ -4688,7 +4688,7 @@
             </p:txBody>
           </p:sp>
         </mc:Choice>
-        <mc:Fallback>
+        <mc:Fallback xmlns="">
           <p:sp>
             <p:nvSpPr>
               <p:cNvPr id="3" name="Content Placeholder 2">
@@ -18212,8 +18212,8 @@
           </a:p>
         </p:txBody>
       </p:sp>
-      <mc:AlternateContent xmlns:mc="http://schemas.openxmlformats.org/markup-compatibility/2006">
-        <mc:Choice xmlns:a14="http://schemas.microsoft.com/office/drawing/2010/main" Requires="a14">
+      <mc:AlternateContent xmlns:mc="http://schemas.openxmlformats.org/markup-compatibility/2006" xmlns:a14="http://schemas.microsoft.com/office/drawing/2010/main">
+        <mc:Choice Requires="a14">
           <p:sp>
             <p:nvSpPr>
               <p:cNvPr id="3" name="Content Placeholder 2">
@@ -18522,13 +18522,7 @@
                       <a:rPr lang="en-US" b="0" i="1" smtClean="0">
                         <a:latin typeface="Cambria Math" panose="02040503050406030204" pitchFamily="18" charset="0"/>
                       </a:rPr>
-                      <m:t>′</m:t>
-                    </m:r>
-                    <m:r>
-                      <a:rPr lang="en-US" b="0" i="1" smtClean="0">
-                        <a:latin typeface="Cambria Math" panose="02040503050406030204" pitchFamily="18" charset="0"/>
-                      </a:rPr>
-                      <m:t>,</m:t>
+                      <m:t>′,</m:t>
                     </m:r>
                     <m:r>
                       <a:rPr lang="en-US" b="0" i="1" smtClean="0">
@@ -18540,13 +18534,7 @@
                       <a:rPr lang="en-US" b="0" i="1" smtClean="0">
                         <a:latin typeface="Cambria Math" panose="02040503050406030204" pitchFamily="18" charset="0"/>
                       </a:rPr>
-                      <m:t>′</m:t>
-                    </m:r>
-                    <m:r>
-                      <a:rPr lang="en-US" b="0" i="1" smtClean="0">
-                        <a:latin typeface="Cambria Math" panose="02040503050406030204" pitchFamily="18" charset="0"/>
-                      </a:rPr>
-                      <m:t>,</m:t>
+                      <m:t>′,</m:t>
                     </m:r>
                     <m:r>
                       <a:rPr lang="en-US" b="0" i="1" smtClean="0">
@@ -18726,7 +18714,7 @@
             </p:txBody>
           </p:sp>
         </mc:Choice>
-        <mc:Fallback>
+        <mc:Fallback xmlns="">
           <p:sp>
             <p:nvSpPr>
               <p:cNvPr id="3" name="Content Placeholder 2">
@@ -19943,7 +19931,19 @@
                       <a:rPr lang="en-US" b="0" i="1" smtClean="0">
                         <a:latin typeface="Cambria Math" panose="02040503050406030204" pitchFamily="18" charset="0"/>
                       </a:rPr>
-                      <m:t>0, 1</m:t>
+                      <m:t>0</m:t>
+                    </m:r>
+                    <m:r>
+                      <a:rPr lang="en-US" b="0" i="1" smtClean="0">
+                        <a:latin typeface="Cambria Math" panose="02040503050406030204" pitchFamily="18" charset="0"/>
+                      </a:rPr>
+                      <m:t>, </m:t>
+                    </m:r>
+                    <m:r>
+                      <a:rPr lang="en-US" b="0" i="1" smtClean="0">
+                        <a:latin typeface="Cambria Math" panose="02040503050406030204" pitchFamily="18" charset="0"/>
+                      </a:rPr>
+                      <m:t>1</m:t>
                     </m:r>
                     <m:r>
                       <m:rPr>
@@ -19996,7 +19996,43 @@
                           <a:rPr lang="en-US" b="0" i="1" smtClean="0">
                             <a:latin typeface="Cambria Math" panose="02040503050406030204" pitchFamily="18" charset="0"/>
                           </a:rPr>
-                          <m:t>0, 1, 0, 1</m:t>
+                          <m:t>0</m:t>
+                        </m:r>
+                        <m:r>
+                          <a:rPr lang="en-US" b="0" i="1" smtClean="0">
+                            <a:latin typeface="Cambria Math" panose="02040503050406030204" pitchFamily="18" charset="0"/>
+                          </a:rPr>
+                          <m:t>, </m:t>
+                        </m:r>
+                        <m:r>
+                          <a:rPr lang="en-US" b="0" i="1" smtClean="0">
+                            <a:latin typeface="Cambria Math" panose="02040503050406030204" pitchFamily="18" charset="0"/>
+                          </a:rPr>
+                          <m:t>1</m:t>
+                        </m:r>
+                        <m:r>
+                          <a:rPr lang="en-US" b="0" i="1" smtClean="0">
+                            <a:latin typeface="Cambria Math" panose="02040503050406030204" pitchFamily="18" charset="0"/>
+                          </a:rPr>
+                          <m:t>, </m:t>
+                        </m:r>
+                        <m:r>
+                          <a:rPr lang="en-US" b="0" i="1" smtClean="0">
+                            <a:latin typeface="Cambria Math" panose="02040503050406030204" pitchFamily="18" charset="0"/>
+                          </a:rPr>
+                          <m:t>0</m:t>
+                        </m:r>
+                        <m:r>
+                          <a:rPr lang="en-US" b="0" i="1" smtClean="0">
+                            <a:latin typeface="Cambria Math" panose="02040503050406030204" pitchFamily="18" charset="0"/>
+                          </a:rPr>
+                          <m:t>, </m:t>
+                        </m:r>
+                        <m:r>
+                          <a:rPr lang="en-US" b="0" i="1" smtClean="0">
+                            <a:latin typeface="Cambria Math" panose="02040503050406030204" pitchFamily="18" charset="0"/>
+                          </a:rPr>
+                          <m:t>1</m:t>
                         </m:r>
                       </m:e>
                     </m:d>
@@ -20891,8 +20927,8 @@
           </a:p>
         </p:txBody>
       </p:sp>
-      <mc:AlternateContent xmlns:mc="http://schemas.openxmlformats.org/markup-compatibility/2006">
-        <mc:Choice xmlns:a14="http://schemas.microsoft.com/office/drawing/2010/main" Requires="a14">
+      <mc:AlternateContent xmlns:mc="http://schemas.openxmlformats.org/markup-compatibility/2006" xmlns:a14="http://schemas.microsoft.com/office/drawing/2010/main">
+        <mc:Choice Requires="a14">
           <p:sp>
             <p:nvSpPr>
               <p:cNvPr id="3" name="Content Placeholder 2">
@@ -21192,19 +21228,7 @@
                       <a:rPr lang="en-US" b="0" i="1" smtClean="0">
                         <a:latin typeface="Cambria Math" panose="02040503050406030204" pitchFamily="18" charset="0"/>
                       </a:rPr>
-                      <m:t>0</m:t>
-                    </m:r>
-                    <m:r>
-                      <a:rPr lang="en-US" b="0" i="1" smtClean="0">
-                        <a:latin typeface="Cambria Math" panose="02040503050406030204" pitchFamily="18" charset="0"/>
-                      </a:rPr>
-                      <m:t>, </m:t>
-                    </m:r>
-                    <m:r>
-                      <a:rPr lang="en-US" b="0" i="1" smtClean="0">
-                        <a:latin typeface="Cambria Math" panose="02040503050406030204" pitchFamily="18" charset="0"/>
-                      </a:rPr>
-                      <m:t>1</m:t>
+                      <m:t>0, 1</m:t>
                     </m:r>
                     <m:r>
                       <m:rPr>
@@ -21282,91 +21306,7 @@
                         <a:rPr lang="en-US" b="0" i="1" dirty="0" smtClean="0">
                           <a:latin typeface="Cambria Math" panose="02040503050406030204" pitchFamily="18" charset="0"/>
                         </a:rPr>
-                        <m:t>000</m:t>
-                      </m:r>
-                      <m:r>
-                        <a:rPr lang="en-US" b="0" i="1" dirty="0" smtClean="0">
-                          <a:latin typeface="Cambria Math" panose="02040503050406030204" pitchFamily="18" charset="0"/>
-                        </a:rPr>
-                        <m:t>, </m:t>
-                      </m:r>
-                      <m:r>
-                        <a:rPr lang="en-US" b="0" i="1" dirty="0" smtClean="0">
-                          <a:latin typeface="Cambria Math" panose="02040503050406030204" pitchFamily="18" charset="0"/>
-                        </a:rPr>
-                        <m:t>001</m:t>
-                      </m:r>
-                      <m:r>
-                        <a:rPr lang="en-US" b="0" i="1" dirty="0" smtClean="0">
-                          <a:latin typeface="Cambria Math" panose="02040503050406030204" pitchFamily="18" charset="0"/>
-                        </a:rPr>
-                        <m:t>, </m:t>
-                      </m:r>
-                      <m:r>
-                        <a:rPr lang="en-US" b="0" i="1" dirty="0" smtClean="0">
-                          <a:latin typeface="Cambria Math" panose="02040503050406030204" pitchFamily="18" charset="0"/>
-                        </a:rPr>
-                        <m:t>010</m:t>
-                      </m:r>
-                      <m:r>
-                        <a:rPr lang="en-US" b="0" i="1" dirty="0" smtClean="0">
-                          <a:latin typeface="Cambria Math" panose="02040503050406030204" pitchFamily="18" charset="0"/>
-                        </a:rPr>
-                        <m:t>, </m:t>
-                      </m:r>
-                      <m:r>
-                        <a:rPr lang="en-US" b="0" i="1" dirty="0" smtClean="0">
-                          <a:latin typeface="Cambria Math" panose="02040503050406030204" pitchFamily="18" charset="0"/>
-                        </a:rPr>
-                        <m:t>011</m:t>
-                      </m:r>
-                      <m:r>
-                        <a:rPr lang="en-US" b="0" i="1" dirty="0" smtClean="0">
-                          <a:latin typeface="Cambria Math" panose="02040503050406030204" pitchFamily="18" charset="0"/>
-                        </a:rPr>
-                        <m:t>, </m:t>
-                      </m:r>
-                      <m:r>
-                        <a:rPr lang="en-US" b="0" i="1" dirty="0" smtClean="0">
-                          <a:latin typeface="Cambria Math" panose="02040503050406030204" pitchFamily="18" charset="0"/>
-                        </a:rPr>
-                        <m:t>100</m:t>
-                      </m:r>
-                      <m:r>
-                        <a:rPr lang="en-US" b="0" i="1" dirty="0" smtClean="0">
-                          <a:latin typeface="Cambria Math" panose="02040503050406030204" pitchFamily="18" charset="0"/>
-                        </a:rPr>
-                        <m:t>, </m:t>
-                      </m:r>
-                      <m:r>
-                        <a:rPr lang="en-US" b="0" i="1" dirty="0" smtClean="0">
-                          <a:latin typeface="Cambria Math" panose="02040503050406030204" pitchFamily="18" charset="0"/>
-                        </a:rPr>
-                        <m:t>101</m:t>
-                      </m:r>
-                      <m:r>
-                        <a:rPr lang="en-US" b="0" i="1" dirty="0" smtClean="0">
-                          <a:latin typeface="Cambria Math" panose="02040503050406030204" pitchFamily="18" charset="0"/>
-                        </a:rPr>
-                        <m:t>, </m:t>
-                      </m:r>
-                      <m:r>
-                        <a:rPr lang="en-US" b="0" i="1" dirty="0" smtClean="0">
-                          <a:latin typeface="Cambria Math" panose="02040503050406030204" pitchFamily="18" charset="0"/>
-                        </a:rPr>
-                        <m:t>110</m:t>
-                      </m:r>
-                      <m:r>
-                        <a:rPr lang="en-US" b="0" i="1" dirty="0" smtClean="0">
-                          <a:latin typeface="Cambria Math" panose="02040503050406030204" pitchFamily="18" charset="0"/>
-                        </a:rPr>
-                        <m:t>, </m:t>
-                      </m:r>
-                      <m:r>
-                        <a:rPr lang="en-US" b="0" i="1" dirty="0" smtClean="0">
-                          <a:latin typeface="Cambria Math" panose="02040503050406030204" pitchFamily="18" charset="0"/>
-                        </a:rPr>
-                        <m:t>111</m:t>
+                        <m:t>000, 001, 010, 011, 100, 101, 110, 111</m:t>
                       </m:r>
                       <m:r>
                         <m:rPr>
@@ -21385,7 +21325,7 @@
             </p:txBody>
           </p:sp>
         </mc:Choice>
-        <mc:Fallback>
+        <mc:Fallback xmlns="">
           <p:sp>
             <p:nvSpPr>
               <p:cNvPr id="3" name="Content Placeholder 2">
@@ -22181,16 +22121,7 @@
                         </a:solidFill>
                         <a:latin typeface="Cambria Math" panose="02040503050406030204" pitchFamily="18" charset="0"/>
                       </a:rPr>
-                      <m:t>=</m:t>
-                    </m:r>
-                    <m:r>
-                      <a:rPr lang="en-US" sz="1600" b="0" i="1" smtClean="0">
-                        <a:solidFill>
-                          <a:schemeClr val="tx1"/>
-                        </a:solidFill>
-                        <a:latin typeface="Cambria Math" panose="02040503050406030204" pitchFamily="18" charset="0"/>
-                      </a:rPr>
-                      <m:t>0</m:t>
+                      <m:t>=0</m:t>
                     </m:r>
                   </m:oMath>
                 </a14:m>
@@ -22590,16 +22521,7 @@
                         </a:solidFill>
                         <a:latin typeface="Cambria Math" panose="02040503050406030204" pitchFamily="18" charset="0"/>
                       </a:rPr>
-                      <m:t>=</m:t>
-                    </m:r>
-                    <m:r>
-                      <a:rPr lang="en-US" sz="1600" b="0" i="1" dirty="0" smtClean="0">
-                        <a:solidFill>
-                          <a:schemeClr val="tx1"/>
-                        </a:solidFill>
-                        <a:latin typeface="Cambria Math" panose="02040503050406030204" pitchFamily="18" charset="0"/>
-                      </a:rPr>
-                      <m:t>1</m:t>
+                      <m:t>=1</m:t>
                     </m:r>
                   </m:oMath>
                 </a14:m>
@@ -23655,7 +23577,13 @@
                       <a:rPr lang="en-US" b="0" i="1" smtClean="0">
                         <a:latin typeface="Cambria Math" panose="02040503050406030204" pitchFamily="18" charset="0"/>
                       </a:rPr>
-                      <m:t>|=1</m:t>
+                      <m:t>|=</m:t>
+                    </m:r>
+                    <m:r>
+                      <a:rPr lang="en-US" b="0" i="1" smtClean="0">
+                        <a:latin typeface="Cambria Math" panose="02040503050406030204" pitchFamily="18" charset="0"/>
+                      </a:rPr>
+                      <m:t>1</m:t>
                     </m:r>
                   </m:oMath>
                 </a14:m>
@@ -24140,13 +24068,7 @@
                             <a:rPr lang="en-US" b="0" i="1" smtClean="0">
                               <a:latin typeface="Cambria Math" panose="02040503050406030204" pitchFamily="18" charset="0"/>
                             </a:rPr>
-                            <m:t>=</m:t>
-                          </m:r>
-                          <m:r>
-                            <a:rPr lang="en-US" b="0" i="1" smtClean="0">
-                              <a:latin typeface="Cambria Math" panose="02040503050406030204" pitchFamily="18" charset="0"/>
-                            </a:rPr>
-                            <m:t>0</m:t>
+                            <m:t>=0</m:t>
                           </m:r>
                         </m:sub>
                         <m:sup>
@@ -24233,19 +24155,7 @@
                       <a:rPr lang="en-US" b="0" i="1" smtClean="0">
                         <a:latin typeface="Cambria Math" panose="02040503050406030204" pitchFamily="18" charset="0"/>
                       </a:rPr>
-                      <m:t>0</m:t>
-                    </m:r>
-                    <m:r>
-                      <a:rPr lang="en-US" b="0" i="1" smtClean="0">
-                        <a:latin typeface="Cambria Math" panose="02040503050406030204" pitchFamily="18" charset="0"/>
-                      </a:rPr>
-                      <m:t>, </m:t>
-                    </m:r>
-                    <m:r>
-                      <a:rPr lang="en-US" b="0" i="1" smtClean="0">
-                        <a:latin typeface="Cambria Math" panose="02040503050406030204" pitchFamily="18" charset="0"/>
-                      </a:rPr>
-                      <m:t>1</m:t>
+                      <m:t>0, 1</m:t>
                     </m:r>
                     <m:r>
                       <m:rPr>
@@ -24329,127 +24239,7 @@
                         <a:rPr lang="en-US" b="0" i="1" smtClean="0">
                           <a:latin typeface="Cambria Math" panose="02040503050406030204" pitchFamily="18" charset="0"/>
                         </a:rPr>
-                        <m:t>,</m:t>
-                      </m:r>
-                      <m:r>
-                        <a:rPr lang="en-US" b="0" i="1" smtClean="0">
-                          <a:latin typeface="Cambria Math" panose="02040503050406030204" pitchFamily="18" charset="0"/>
-                        </a:rPr>
-                        <m:t>0</m:t>
-                      </m:r>
-                      <m:r>
-                        <a:rPr lang="en-US" b="0" i="1" smtClean="0">
-                          <a:latin typeface="Cambria Math" panose="02040503050406030204" pitchFamily="18" charset="0"/>
-                        </a:rPr>
-                        <m:t>, </m:t>
-                      </m:r>
-                      <m:r>
-                        <a:rPr lang="en-US" b="0" i="1" smtClean="0">
-                          <a:latin typeface="Cambria Math" panose="02040503050406030204" pitchFamily="18" charset="0"/>
-                        </a:rPr>
-                        <m:t>1</m:t>
-                      </m:r>
-                      <m:r>
-                        <a:rPr lang="en-US" b="0" i="1" smtClean="0">
-                          <a:latin typeface="Cambria Math" panose="02040503050406030204" pitchFamily="18" charset="0"/>
-                        </a:rPr>
-                        <m:t>, </m:t>
-                      </m:r>
-                      <m:r>
-                        <a:rPr lang="en-US" b="0" i="1" smtClean="0">
-                          <a:latin typeface="Cambria Math" panose="02040503050406030204" pitchFamily="18" charset="0"/>
-                        </a:rPr>
-                        <m:t>00</m:t>
-                      </m:r>
-                      <m:r>
-                        <a:rPr lang="en-US" b="0" i="1" smtClean="0">
-                          <a:latin typeface="Cambria Math" panose="02040503050406030204" pitchFamily="18" charset="0"/>
-                        </a:rPr>
-                        <m:t>, </m:t>
-                      </m:r>
-                      <m:r>
-                        <a:rPr lang="en-US" b="0" i="1" smtClean="0">
-                          <a:latin typeface="Cambria Math" panose="02040503050406030204" pitchFamily="18" charset="0"/>
-                        </a:rPr>
-                        <m:t>01</m:t>
-                      </m:r>
-                      <m:r>
-                        <a:rPr lang="en-US" b="0" i="1" smtClean="0">
-                          <a:latin typeface="Cambria Math" panose="02040503050406030204" pitchFamily="18" charset="0"/>
-                        </a:rPr>
-                        <m:t>, </m:t>
-                      </m:r>
-                      <m:r>
-                        <a:rPr lang="en-US" b="0" i="1" smtClean="0">
-                          <a:latin typeface="Cambria Math" panose="02040503050406030204" pitchFamily="18" charset="0"/>
-                        </a:rPr>
-                        <m:t>10</m:t>
-                      </m:r>
-                      <m:r>
-                        <a:rPr lang="en-US" b="0" i="1" smtClean="0">
-                          <a:latin typeface="Cambria Math" panose="02040503050406030204" pitchFamily="18" charset="0"/>
-                        </a:rPr>
-                        <m:t>, </m:t>
-                      </m:r>
-                      <m:r>
-                        <a:rPr lang="en-US" b="0" i="1" smtClean="0">
-                          <a:latin typeface="Cambria Math" panose="02040503050406030204" pitchFamily="18" charset="0"/>
-                        </a:rPr>
-                        <m:t>11</m:t>
-                      </m:r>
-                      <m:r>
-                        <a:rPr lang="en-US" b="0" i="1" smtClean="0">
-                          <a:latin typeface="Cambria Math" panose="02040503050406030204" pitchFamily="18" charset="0"/>
-                        </a:rPr>
-                        <m:t>, </m:t>
-                      </m:r>
-                      <m:r>
-                        <a:rPr lang="en-US" b="0" i="1" smtClean="0">
-                          <a:latin typeface="Cambria Math" panose="02040503050406030204" pitchFamily="18" charset="0"/>
-                        </a:rPr>
-                        <m:t>000</m:t>
-                      </m:r>
-                      <m:r>
-                        <a:rPr lang="en-US" b="0" i="1" smtClean="0">
-                          <a:latin typeface="Cambria Math" panose="02040503050406030204" pitchFamily="18" charset="0"/>
-                        </a:rPr>
-                        <m:t>, </m:t>
-                      </m:r>
-                      <m:r>
-                        <a:rPr lang="en-US" b="0" i="1" smtClean="0">
-                          <a:latin typeface="Cambria Math" panose="02040503050406030204" pitchFamily="18" charset="0"/>
-                        </a:rPr>
-                        <m:t>001</m:t>
-                      </m:r>
-                      <m:r>
-                        <a:rPr lang="en-US" b="0" i="1" smtClean="0">
-                          <a:latin typeface="Cambria Math" panose="02040503050406030204" pitchFamily="18" charset="0"/>
-                        </a:rPr>
-                        <m:t>, </m:t>
-                      </m:r>
-                      <m:r>
-                        <a:rPr lang="en-US" b="0" i="1" smtClean="0">
-                          <a:latin typeface="Cambria Math" panose="02040503050406030204" pitchFamily="18" charset="0"/>
-                        </a:rPr>
-                        <m:t>010</m:t>
-                      </m:r>
-                      <m:r>
-                        <a:rPr lang="en-US" b="0" i="1" smtClean="0">
-                          <a:latin typeface="Cambria Math" panose="02040503050406030204" pitchFamily="18" charset="0"/>
-                        </a:rPr>
-                        <m:t>, </m:t>
-                      </m:r>
-                      <m:r>
-                        <a:rPr lang="en-US" b="0" i="1" smtClean="0">
-                          <a:latin typeface="Cambria Math" panose="02040503050406030204" pitchFamily="18" charset="0"/>
-                        </a:rPr>
-                        <m:t>011</m:t>
-                      </m:r>
-                      <m:r>
-                        <a:rPr lang="en-US" b="0" i="1" smtClean="0">
-                          <a:latin typeface="Cambria Math" panose="02040503050406030204" pitchFamily="18" charset="0"/>
-                        </a:rPr>
-                        <m:t>, …</m:t>
+                        <m:t>,0, 1, 00, 01, 10, 11, 000, 001, 010, 011, …</m:t>
                       </m:r>
                       <m:r>
                         <m:rPr>
@@ -24841,7 +24631,19 @@
                               <a:rPr lang="en-US" b="0" i="1" smtClean="0">
                                 <a:latin typeface="Cambria Math" panose="02040503050406030204" pitchFamily="18" charset="0"/>
                               </a:rPr>
-                              <m:t>0, 1</m:t>
+                              <m:t>0</m:t>
+                            </m:r>
+                            <m:r>
+                              <a:rPr lang="en-US" b="0" i="1" smtClean="0">
+                                <a:latin typeface="Cambria Math" panose="02040503050406030204" pitchFamily="18" charset="0"/>
+                              </a:rPr>
+                              <m:t>, </m:t>
+                            </m:r>
+                            <m:r>
+                              <a:rPr lang="en-US" b="0" i="1" smtClean="0">
+                                <a:latin typeface="Cambria Math" panose="02040503050406030204" pitchFamily="18" charset="0"/>
+                              </a:rPr>
+                              <m:t>1</m:t>
                             </m:r>
                           </m:e>
                         </m:d>
@@ -32630,7 +32432,13 @@
                       <a:rPr lang="en-US" b="0" i="1" smtClean="0">
                         <a:latin typeface="Cambria Math" panose="02040503050406030204" pitchFamily="18" charset="0"/>
                       </a:rPr>
-                      <m:t>′,</m:t>
+                      <m:t>′</m:t>
+                    </m:r>
+                    <m:r>
+                      <a:rPr lang="en-US" b="0" i="1" smtClean="0">
+                        <a:latin typeface="Cambria Math" panose="02040503050406030204" pitchFamily="18" charset="0"/>
+                      </a:rPr>
+                      <m:t>,</m:t>
                     </m:r>
                     <m:r>
                       <a:rPr lang="en-US" b="0" i="1" smtClean="0">
@@ -34296,7 +34104,13 @@
                         <a:rPr lang="en-US" sz="1400" b="0" i="1" smtClean="0">
                           <a:latin typeface="Cambria Math" panose="02040503050406030204" pitchFamily="18" charset="0"/>
                         </a:rPr>
-                        <m:t>0→ ⊔,</m:t>
+                        <m:t>0</m:t>
+                      </m:r>
+                      <m:r>
+                        <a:rPr lang="en-US" sz="1400" b="0" i="1" smtClean="0">
+                          <a:latin typeface="Cambria Math" panose="02040503050406030204" pitchFamily="18" charset="0"/>
+                        </a:rPr>
+                        <m:t>→ ⊔,</m:t>
                       </m:r>
                       <m:r>
                         <m:rPr>
@@ -35082,7 +34896,25 @@
                         <a:rPr lang="en-US" sz="1400" b="0" i="1" smtClean="0">
                           <a:latin typeface="Cambria Math" panose="02040503050406030204" pitchFamily="18" charset="0"/>
                         </a:rPr>
-                        <m:t>0,1→</m:t>
+                        <m:t>0</m:t>
+                      </m:r>
+                      <m:r>
+                        <a:rPr lang="en-US" sz="1400" b="0" i="1" smtClean="0">
+                          <a:latin typeface="Cambria Math" panose="02040503050406030204" pitchFamily="18" charset="0"/>
+                        </a:rPr>
+                        <m:t>,</m:t>
+                      </m:r>
+                      <m:r>
+                        <a:rPr lang="en-US" sz="1400" b="0" i="1" smtClean="0">
+                          <a:latin typeface="Cambria Math" panose="02040503050406030204" pitchFamily="18" charset="0"/>
+                        </a:rPr>
+                        <m:t>1</m:t>
+                      </m:r>
+                      <m:r>
+                        <a:rPr lang="en-US" sz="1400" b="0" i="1" smtClean="0">
+                          <a:latin typeface="Cambria Math" panose="02040503050406030204" pitchFamily="18" charset="0"/>
+                        </a:rPr>
+                        <m:t>→</m:t>
                       </m:r>
                       <m:r>
                         <m:rPr>
@@ -35240,7 +35072,25 @@
                         <a:rPr lang="en-US" sz="1400" b="0" i="1" smtClean="0">
                           <a:latin typeface="Cambria Math" panose="02040503050406030204" pitchFamily="18" charset="0"/>
                         </a:rPr>
-                        <m:t>0,1→</m:t>
+                        <m:t>0</m:t>
+                      </m:r>
+                      <m:r>
+                        <a:rPr lang="en-US" sz="1400" b="0" i="1" smtClean="0">
+                          <a:latin typeface="Cambria Math" panose="02040503050406030204" pitchFamily="18" charset="0"/>
+                        </a:rPr>
+                        <m:t>,</m:t>
+                      </m:r>
+                      <m:r>
+                        <a:rPr lang="en-US" sz="1400" b="0" i="1" smtClean="0">
+                          <a:latin typeface="Cambria Math" panose="02040503050406030204" pitchFamily="18" charset="0"/>
+                        </a:rPr>
+                        <m:t>1</m:t>
+                      </m:r>
+                      <m:r>
+                        <a:rPr lang="en-US" sz="1400" b="0" i="1" smtClean="0">
+                          <a:latin typeface="Cambria Math" panose="02040503050406030204" pitchFamily="18" charset="0"/>
+                        </a:rPr>
+                        <m:t>→</m:t>
                       </m:r>
                       <m:r>
                         <m:rPr>
@@ -35437,7 +35287,13 @@
                         <a:rPr lang="en-US" sz="1400" b="0" i="1" smtClean="0">
                           <a:latin typeface="Cambria Math" panose="02040503050406030204" pitchFamily="18" charset="0"/>
                         </a:rPr>
-                        <m:t>1→</m:t>
+                        <m:t>1</m:t>
+                      </m:r>
+                      <m:r>
+                        <a:rPr lang="en-US" sz="1400" b="0" i="1" smtClean="0">
+                          <a:latin typeface="Cambria Math" panose="02040503050406030204" pitchFamily="18" charset="0"/>
+                        </a:rPr>
+                        <m:t>→</m:t>
                       </m:r>
                       <m:r>
                         <m:rPr>
@@ -35699,7 +35555,13 @@
                         <a:rPr lang="en-US" sz="1400" b="0" i="1" smtClean="0">
                           <a:latin typeface="Cambria Math" panose="02040503050406030204" pitchFamily="18" charset="0"/>
                         </a:rPr>
-                        <m:t>0,⊔ → ⊔,</m:t>
+                        <m:t>0</m:t>
+                      </m:r>
+                      <m:r>
+                        <a:rPr lang="en-US" sz="1400" b="0" i="1" smtClean="0">
+                          <a:latin typeface="Cambria Math" panose="02040503050406030204" pitchFamily="18" charset="0"/>
+                        </a:rPr>
+                        <m:t>,⊔ → ⊔,</m:t>
                       </m:r>
                       <m:r>
                         <m:rPr>
@@ -36014,7 +35876,25 @@
                         <a:rPr lang="en-US" sz="1400" b="0" i="1" smtClean="0">
                           <a:latin typeface="Cambria Math" panose="02040503050406030204" pitchFamily="18" charset="0"/>
                         </a:rPr>
-                        <m:t>0,1→</m:t>
+                        <m:t>0</m:t>
+                      </m:r>
+                      <m:r>
+                        <a:rPr lang="en-US" sz="1400" b="0" i="1" smtClean="0">
+                          <a:latin typeface="Cambria Math" panose="02040503050406030204" pitchFamily="18" charset="0"/>
+                        </a:rPr>
+                        <m:t>,</m:t>
+                      </m:r>
+                      <m:r>
+                        <a:rPr lang="en-US" sz="1400" b="0" i="1" smtClean="0">
+                          <a:latin typeface="Cambria Math" panose="02040503050406030204" pitchFamily="18" charset="0"/>
+                        </a:rPr>
+                        <m:t>1</m:t>
+                      </m:r>
+                      <m:r>
+                        <a:rPr lang="en-US" sz="1400" b="0" i="1" smtClean="0">
+                          <a:latin typeface="Cambria Math" panose="02040503050406030204" pitchFamily="18" charset="0"/>
+                        </a:rPr>
+                        <m:t>→</m:t>
                       </m:r>
                       <m:r>
                         <m:rPr>
@@ -39903,13 +39783,7 @@
                       <a:rPr lang="en-US" b="0" i="1" smtClean="0">
                         <a:latin typeface="Cambria Math" panose="02040503050406030204" pitchFamily="18" charset="0"/>
                       </a:rPr>
-                      <m:t>=</m:t>
-                    </m:r>
-                    <m:r>
-                      <a:rPr lang="en-US" b="0" i="1" smtClean="0">
-                        <a:latin typeface="Cambria Math" panose="02040503050406030204" pitchFamily="18" charset="0"/>
-                      </a:rPr>
-                      <m:t>∅</m:t>
+                      <m:t>=∅</m:t>
                     </m:r>
                   </m:oMath>
                 </a14:m>
@@ -40593,7 +40467,19 @@
                               <a:rPr lang="en-US" b="0" i="1" smtClean="0">
                                 <a:latin typeface="Cambria Math" panose="02040503050406030204" pitchFamily="18" charset="0"/>
                               </a:rPr>
-                              <m:t>0, 1</m:t>
+                              <m:t>0</m:t>
+                            </m:r>
+                            <m:r>
+                              <a:rPr lang="en-US" b="0" i="1" smtClean="0">
+                                <a:latin typeface="Cambria Math" panose="02040503050406030204" pitchFamily="18" charset="0"/>
+                              </a:rPr>
+                              <m:t>, </m:t>
+                            </m:r>
+                            <m:r>
+                              <a:rPr lang="en-US" b="0" i="1" smtClean="0">
+                                <a:latin typeface="Cambria Math" panose="02040503050406030204" pitchFamily="18" charset="0"/>
+                              </a:rPr>
+                              <m:t>1</m:t>
                             </m:r>
                           </m:e>
                         </m:d>
@@ -41189,13 +41075,7 @@
                           <a:rPr lang="en-US" b="0" i="1" smtClean="0">
                             <a:latin typeface="Cambria Math" panose="02040503050406030204" pitchFamily="18" charset="0"/>
                           </a:rPr>
-                          <m:t>−</m:t>
-                        </m:r>
-                        <m:r>
-                          <a:rPr lang="en-US" b="0" i="1" smtClean="0">
-                            <a:latin typeface="Cambria Math" panose="02040503050406030204" pitchFamily="18" charset="0"/>
-                          </a:rPr>
-                          <m:t>1</m:t>
+                          <m:t>−1</m:t>
                         </m:r>
                       </m:sub>
                     </m:sSub>
@@ -41448,13 +41328,7 @@
                           <a:rPr lang="en-US" b="0" i="1" smtClean="0">
                             <a:latin typeface="Cambria Math" panose="02040503050406030204" pitchFamily="18" charset="0"/>
                           </a:rPr>
-                          <m:t>′</m:t>
-                        </m:r>
-                        <m:r>
-                          <a:rPr lang="en-US" b="0" i="1" smtClean="0">
-                            <a:latin typeface="Cambria Math" panose="02040503050406030204" pitchFamily="18" charset="0"/>
-                          </a:rPr>
-                          <m:t>,</m:t>
+                          <m:t>′,</m:t>
                         </m:r>
                         <m:r>
                           <a:rPr lang="en-US" b="0" i="1" smtClean="0">
@@ -41605,13 +41479,7 @@
                           <a:rPr lang="en-US" b="0" i="1" smtClean="0">
                             <a:latin typeface="Cambria Math" panose="02040503050406030204" pitchFamily="18" charset="0"/>
                           </a:rPr>
-                          <m:t>−</m:t>
-                        </m:r>
-                        <m:r>
-                          <a:rPr lang="en-US" b="0" i="1" smtClean="0">
-                            <a:latin typeface="Cambria Math" panose="02040503050406030204" pitchFamily="18" charset="0"/>
-                          </a:rPr>
-                          <m:t>1</m:t>
+                          <m:t>−1</m:t>
                         </m:r>
                       </m:sub>
                     </m:sSub>
@@ -41770,13 +41638,7 @@
                       <a:rPr lang="en-US" b="0" i="1" smtClean="0">
                         <a:latin typeface="Cambria Math" panose="02040503050406030204" pitchFamily="18" charset="0"/>
                       </a:rPr>
-                      <m:t>=</m:t>
-                    </m:r>
-                    <m:r>
-                      <a:rPr lang="en-US" b="0" i="1" smtClean="0">
-                        <a:latin typeface="Cambria Math" panose="02040503050406030204" pitchFamily="18" charset="0"/>
-                      </a:rPr>
-                      <m:t>1</m:t>
+                      <m:t>=1</m:t>
                     </m:r>
                   </m:oMath>
                 </a14:m>
@@ -41901,13 +41763,7 @@
                           <a:rPr lang="en-US" b="0" i="1" smtClean="0">
                             <a:latin typeface="Cambria Math" panose="02040503050406030204" pitchFamily="18" charset="0"/>
                           </a:rPr>
-                          <m:t>−</m:t>
-                        </m:r>
-                        <m:r>
-                          <a:rPr lang="en-US" b="0" i="1" smtClean="0">
-                            <a:latin typeface="Cambria Math" panose="02040503050406030204" pitchFamily="18" charset="0"/>
-                          </a:rPr>
-                          <m:t>1</m:t>
+                          <m:t>−1</m:t>
                         </m:r>
                       </m:sub>
                     </m:sSub>
@@ -42237,13 +42093,7 @@
                           <a:rPr lang="en-US" b="0" i="1" smtClean="0">
                             <a:latin typeface="Cambria Math" panose="02040503050406030204" pitchFamily="18" charset="0"/>
                           </a:rPr>
-                          <m:t>−</m:t>
-                        </m:r>
-                        <m:r>
-                          <a:rPr lang="en-US" b="0" i="1" smtClean="0">
-                            <a:latin typeface="Cambria Math" panose="02040503050406030204" pitchFamily="18" charset="0"/>
-                          </a:rPr>
-                          <m:t>1</m:t>
+                          <m:t>−1</m:t>
                         </m:r>
                       </m:sub>
                     </m:sSub>
@@ -42427,13 +42277,7 @@
                       <a:rPr lang="en-US" b="0" i="1" smtClean="0">
                         <a:latin typeface="Cambria Math" panose="02040503050406030204" pitchFamily="18" charset="0"/>
                       </a:rPr>
-                      <m:t>=</m:t>
-                    </m:r>
-                    <m:r>
-                      <a:rPr lang="en-US" b="0" i="1" smtClean="0">
-                        <a:latin typeface="Cambria Math" panose="02040503050406030204" pitchFamily="18" charset="0"/>
-                      </a:rPr>
-                      <m:t>0</m:t>
+                      <m:t>=0</m:t>
                     </m:r>
                   </m:oMath>
                 </a14:m>
@@ -43894,8 +43738,15 @@
           <a:p>
             <a:pPr lvl="1"/>
             <a:r>
+              <a:rPr lang="en-US" strike="sngStrike" dirty="0"/>
+              <a:t>Office hours: Fridays, 2pm to 3pm, JCL 205</a:t>
+            </a:r>
+          </a:p>
+          <a:p>
+            <a:pPr lvl="1"/>
+            <a:r>
               <a:rPr lang="en-US" dirty="0"/>
-              <a:t>Office hours: Fridays, 2pm to 3pm, JCL 205</a:t>
+              <a:t>Office hours: Fridays, 10am to 11am, JCL 207</a:t>
             </a:r>
           </a:p>
           <a:p>
